--- a/miphi_hack (2).pptx
+++ b/miphi_hack (2).pptx
@@ -5396,16 +5396,15 @@
           </p:cNvPicPr>
           <p:nvPr/>
         </p:nvPicPr>
-        <p:blipFill>
+        <p:blipFill rotWithShape="1">
           <a:blip r:embed="rId3"/>
-          <a:stretch>
-            <a:fillRect/>
-          </a:stretch>
+          <a:srcRect t="34694"/>
+          <a:stretch/>
         </p:blipFill>
         <p:spPr>
           <a:xfrm>
-            <a:off x="5977552" y="3913663"/>
-            <a:ext cx="2824453" cy="1617138"/>
+            <a:off x="6250338" y="4194193"/>
+            <a:ext cx="2824453" cy="1056078"/>
           </a:xfrm>
           <a:prstGeom prst="rect">
             <a:avLst/>
